--- a/Clay/Novel Corona Virus 2019.pptx
+++ b/Clay/Novel Corona Virus 2019.pptx
@@ -220,7 +220,7 @@
           <a:p>
             <a:fld id="{49E4E37A-8C9F-4B25-B068-6A7177E6E2F6}" type="datetimeFigureOut">
               <a:rPr lang="en-US" smtClean="0"/>
-              <a:t>6/4/2021</a:t>
+              <a:t>6/5/2021</a:t>
             </a:fld>
             <a:endParaRPr lang="en-US"/>
           </a:p>
@@ -398,7 +398,7 @@
           <a:p>
             <a:fld id="{9023BEA9-FA89-4F42-A6AE-03E83D737B38}" type="datetimeFigureOut">
               <a:rPr lang="en-US" smtClean="0"/>
-              <a:t>6/4/2021</a:t>
+              <a:t>6/5/2021</a:t>
             </a:fld>
             <a:endParaRPr lang="en-US"/>
           </a:p>
@@ -813,7 +813,7 @@
           <a:p>
             <a:fld id="{37F15C4C-317F-4D3F-A005-16419E4F54E5}" type="datetime1">
               <a:rPr lang="en-US" smtClean="0"/>
-              <a:t>6/4/2021</a:t>
+              <a:t>6/5/2021</a:t>
             </a:fld>
             <a:endParaRPr lang="en-US"/>
           </a:p>
@@ -1014,7 +1014,7 @@
           <a:p>
             <a:fld id="{4D6DEA05-F42D-4184-930C-85FECEC3313B}" type="datetime1">
               <a:rPr lang="en-US" smtClean="0"/>
-              <a:t>6/4/2021</a:t>
+              <a:t>6/5/2021</a:t>
             </a:fld>
             <a:endParaRPr lang="en-US"/>
           </a:p>
@@ -1225,7 +1225,7 @@
           <a:p>
             <a:fld id="{3B6145BC-45FD-48D2-B791-69A591304502}" type="datetime1">
               <a:rPr lang="en-US" smtClean="0"/>
-              <a:t>6/4/2021</a:t>
+              <a:t>6/5/2021</a:t>
             </a:fld>
             <a:endParaRPr lang="en-US"/>
           </a:p>
@@ -1426,7 +1426,7 @@
           <a:p>
             <a:fld id="{BE528CB6-EF93-4D2D-9A67-F7754B9C4AF7}" type="datetime1">
               <a:rPr lang="en-US" smtClean="0"/>
-              <a:t>6/4/2021</a:t>
+              <a:t>6/5/2021</a:t>
             </a:fld>
             <a:endParaRPr lang="en-US"/>
           </a:p>
@@ -1704,7 +1704,7 @@
           <a:p>
             <a:fld id="{F5D88715-00D2-40C1-AB47-E9318F22623F}" type="datetime1">
               <a:rPr lang="en-US" smtClean="0"/>
-              <a:t>6/4/2021</a:t>
+              <a:t>6/5/2021</a:t>
             </a:fld>
             <a:endParaRPr lang="en-US"/>
           </a:p>
@@ -1972,7 +1972,7 @@
           <a:p>
             <a:fld id="{26C8E9CE-9631-427E-AC0D-BD8821115C70}" type="datetime1">
               <a:rPr lang="en-US" smtClean="0"/>
-              <a:t>6/4/2021</a:t>
+              <a:t>6/5/2021</a:t>
             </a:fld>
             <a:endParaRPr lang="en-US"/>
           </a:p>
@@ -2387,7 +2387,7 @@
           <a:p>
             <a:fld id="{437337F5-6E30-4ABB-BA0B-B0CE54BEFA42}" type="datetime1">
               <a:rPr lang="en-US" smtClean="0"/>
-              <a:t>6/4/2021</a:t>
+              <a:t>6/5/2021</a:t>
             </a:fld>
             <a:endParaRPr lang="en-US"/>
           </a:p>
@@ -2531,7 +2531,7 @@
           <a:p>
             <a:fld id="{C14B8D49-4C09-4648-A11C-58A36AE8D1A4}" type="datetime1">
               <a:rPr lang="en-US" smtClean="0"/>
-              <a:t>6/4/2021</a:t>
+              <a:t>6/5/2021</a:t>
             </a:fld>
             <a:endParaRPr lang="en-US"/>
           </a:p>
@@ -2647,7 +2647,7 @@
           <a:p>
             <a:fld id="{78F967DB-9A20-470C-8495-E5F826B2D74A}" type="datetime1">
               <a:rPr lang="en-US" smtClean="0"/>
-              <a:t>6/4/2021</a:t>
+              <a:t>6/5/2021</a:t>
             </a:fld>
             <a:endParaRPr lang="en-US"/>
           </a:p>
@@ -2961,7 +2961,7 @@
           <a:p>
             <a:fld id="{A25BE9F8-99D2-4176-9C95-9EEEEBA7C339}" type="datetime1">
               <a:rPr lang="en-US" smtClean="0"/>
-              <a:t>6/4/2021</a:t>
+              <a:t>6/5/2021</a:t>
             </a:fld>
             <a:endParaRPr lang="en-US"/>
           </a:p>
@@ -3252,7 +3252,7 @@
           <a:p>
             <a:fld id="{DD25EF6D-817F-4893-9498-E5C7582DEC97}" type="datetime1">
               <a:rPr lang="en-US" smtClean="0"/>
-              <a:t>6/4/2021</a:t>
+              <a:t>6/5/2021</a:t>
             </a:fld>
             <a:endParaRPr lang="en-US"/>
           </a:p>
@@ -3496,7 +3496,7 @@
           <a:p>
             <a:fld id="{0DBF80BF-1535-49DE-92D2-A672C4DB768F}" type="datetime1">
               <a:rPr lang="en-US" smtClean="0"/>
-              <a:t>6/4/2021</a:t>
+              <a:t>6/5/2021</a:t>
             </a:fld>
             <a:endParaRPr lang="en-US"/>
           </a:p>
@@ -3955,7 +3955,7 @@
             <a:pPr algn="l"/>
             <a:r>
               <a:rPr lang="en-US" sz="2800" dirty="0"/>
-              <a:t>	Jose </a:t>
+              <a:t>	Julio</a:t>
             </a:r>
           </a:p>
           <a:p>
